--- a/Trading Algorithm Presentation.pptx
+++ b/Trading Algorithm Presentation.pptx
@@ -11,8 +11,9 @@
     <p:sldId id="258" r:id="rId5"/>
     <p:sldId id="259" r:id="rId6"/>
     <p:sldId id="260" r:id="rId7"/>
-    <p:sldId id="262" r:id="rId8"/>
-    <p:sldId id="261" r:id="rId9"/>
+    <p:sldId id="264" r:id="rId8"/>
+    <p:sldId id="262" r:id="rId9"/>
+    <p:sldId id="261" r:id="rId10"/>
   </p:sldIdLst>
   <p:sldSz cx="12192000" cy="6858000"/>
   <p:notesSz cx="6858000" cy="9144000"/>
@@ -282,7 +283,7 @@
           <a:p>
             <a:fld id="{8711A2D5-EBB8-8E49-AB09-857B1B1A4949}" type="datetimeFigureOut">
               <a:rPr lang="en-US" smtClean="0"/>
-              <a:t>9/2/23</a:t>
+              <a:t>9/3/23</a:t>
             </a:fld>
             <a:endParaRPr lang="en-US"/>
           </a:p>
@@ -452,7 +453,7 @@
           <a:p>
             <a:fld id="{8711A2D5-EBB8-8E49-AB09-857B1B1A4949}" type="datetimeFigureOut">
               <a:rPr lang="en-US" smtClean="0"/>
-              <a:t>9/2/23</a:t>
+              <a:t>9/3/23</a:t>
             </a:fld>
             <a:endParaRPr lang="en-US"/>
           </a:p>
@@ -632,7 +633,7 @@
           <a:p>
             <a:fld id="{8711A2D5-EBB8-8E49-AB09-857B1B1A4949}" type="datetimeFigureOut">
               <a:rPr lang="en-US" smtClean="0"/>
-              <a:t>9/2/23</a:t>
+              <a:t>9/3/23</a:t>
             </a:fld>
             <a:endParaRPr lang="en-US"/>
           </a:p>
@@ -802,7 +803,7 @@
           <a:p>
             <a:fld id="{8711A2D5-EBB8-8E49-AB09-857B1B1A4949}" type="datetimeFigureOut">
               <a:rPr lang="en-US" smtClean="0"/>
-              <a:t>9/2/23</a:t>
+              <a:t>9/3/23</a:t>
             </a:fld>
             <a:endParaRPr lang="en-US"/>
           </a:p>
@@ -1070,7 +1071,7 @@
           <a:p>
             <a:fld id="{8711A2D5-EBB8-8E49-AB09-857B1B1A4949}" type="datetimeFigureOut">
               <a:rPr lang="en-US" smtClean="0"/>
-              <a:t>9/2/23</a:t>
+              <a:t>9/3/23</a:t>
             </a:fld>
             <a:endParaRPr lang="en-US"/>
           </a:p>
@@ -1302,7 +1303,7 @@
           <a:p>
             <a:fld id="{8711A2D5-EBB8-8E49-AB09-857B1B1A4949}" type="datetimeFigureOut">
               <a:rPr lang="en-US" smtClean="0"/>
-              <a:t>9/2/23</a:t>
+              <a:t>9/3/23</a:t>
             </a:fld>
             <a:endParaRPr lang="en-US"/>
           </a:p>
@@ -1661,7 +1662,7 @@
           <a:p>
             <a:fld id="{8711A2D5-EBB8-8E49-AB09-857B1B1A4949}" type="datetimeFigureOut">
               <a:rPr lang="en-US" smtClean="0"/>
-              <a:t>9/2/23</a:t>
+              <a:t>9/3/23</a:t>
             </a:fld>
             <a:endParaRPr lang="en-US"/>
           </a:p>
@@ -1802,7 +1803,7 @@
           <a:p>
             <a:fld id="{8711A2D5-EBB8-8E49-AB09-857B1B1A4949}" type="datetimeFigureOut">
               <a:rPr lang="en-US" smtClean="0"/>
-              <a:t>9/2/23</a:t>
+              <a:t>9/3/23</a:t>
             </a:fld>
             <a:endParaRPr lang="en-US"/>
           </a:p>
@@ -1897,7 +1898,7 @@
           <a:p>
             <a:fld id="{8711A2D5-EBB8-8E49-AB09-857B1B1A4949}" type="datetimeFigureOut">
               <a:rPr lang="en-US" smtClean="0"/>
-              <a:t>9/2/23</a:t>
+              <a:t>9/3/23</a:t>
             </a:fld>
             <a:endParaRPr lang="en-US"/>
           </a:p>
@@ -2254,7 +2255,7 @@
           <a:p>
             <a:fld id="{8711A2D5-EBB8-8E49-AB09-857B1B1A4949}" type="datetimeFigureOut">
               <a:rPr lang="en-US" smtClean="0"/>
-              <a:t>9/2/23</a:t>
+              <a:t>9/3/23</a:t>
             </a:fld>
             <a:endParaRPr lang="en-US"/>
           </a:p>
@@ -2611,7 +2612,7 @@
           <a:p>
             <a:fld id="{8711A2D5-EBB8-8E49-AB09-857B1B1A4949}" type="datetimeFigureOut">
               <a:rPr lang="en-US" smtClean="0"/>
-              <a:t>9/2/23</a:t>
+              <a:t>9/3/23</a:t>
             </a:fld>
             <a:endParaRPr lang="en-US"/>
           </a:p>
@@ -2853,7 +2854,7 @@
           <a:p>
             <a:fld id="{8711A2D5-EBB8-8E49-AB09-857B1B1A4949}" type="datetimeFigureOut">
               <a:rPr lang="en-US" smtClean="0"/>
-              <a:t>9/2/23</a:t>
+              <a:t>9/3/23</a:t>
             </a:fld>
             <a:endParaRPr lang="en-US"/>
           </a:p>
@@ -3402,7 +3403,7 @@
             </a:r>
             <a:r>
               <a:rPr lang="en-US" altLang="zh-CN" dirty="0" err="1"/>
-              <a:t>Yiheng</a:t>
+              <a:t>Yihang</a:t>
             </a:r>
             <a:r>
               <a:rPr lang="zh-CN" altLang="en-US" dirty="0"/>
@@ -3537,7 +3538,7 @@
       </p:sp>
       <p:pic>
         <p:nvPicPr>
-          <p:cNvPr id="5" name="Picture 4" descr="A person wearing glasses and smiling&#10;&#10;Description automatically generated">
+          <p:cNvPr id="5" name="Picture 4">
             <a:extLst>
               <a:ext uri="{FF2B5EF4-FFF2-40B4-BE49-F238E27FC236}">
                 <a16:creationId xmlns:a16="http://schemas.microsoft.com/office/drawing/2014/main" id="{C9E83C02-02D9-E356-F0B3-AE07356D621D}"/>
@@ -3551,13 +3552,13 @@
         </p:nvPicPr>
         <p:blipFill rotWithShape="1">
           <a:blip r:embed="rId2"/>
-          <a:srcRect l="4077" r="6651"/>
+          <a:srcRect l="7585" r="7585"/>
           <a:stretch/>
         </p:blipFill>
         <p:spPr>
           <a:xfrm>
-            <a:off x="1138419" y="2386595"/>
-            <a:ext cx="1796553" cy="2683788"/>
+            <a:off x="1161568" y="2378636"/>
+            <a:ext cx="1743795" cy="2604975"/>
           </a:xfrm>
           <a:prstGeom prst="rect">
             <a:avLst/>
@@ -3897,7 +3898,7 @@
         <p:spPr>
           <a:xfrm>
             <a:off x="3727184" y="5237503"/>
-            <a:ext cx="2185168" cy="1215717"/>
+            <a:ext cx="2185168" cy="1554272"/>
           </a:xfrm>
           <a:prstGeom prst="rect">
             <a:avLst/>
@@ -4005,7 +4006,16 @@
               <a:rPr lang="en-US" altLang="zh-CN" sz="1100" dirty="0"/>
               <a:t>Statistics</a:t>
             </a:r>
-            <a:endParaRPr lang="en-AU" altLang="zh-CN" sz="1100" dirty="0"/>
+          </a:p>
+          <a:p>
+            <a:pPr marL="171450" indent="-171450">
+              <a:buFont typeface="Arial" panose="020B0604020202020204" pitchFamily="34" charset="0"/>
+              <a:buChar char="•"/>
+            </a:pPr>
+            <a:r>
+              <a:rPr lang="en-US" altLang="zh-CN" sz="1100" dirty="0"/>
+              <a:t>Research in Bayesian Variable Selection Methods</a:t>
+            </a:r>
           </a:p>
           <a:p>
             <a:pPr marL="171450" indent="-171450">
@@ -4110,6 +4120,36 @@
           </a:p>
         </p:txBody>
       </p:sp>
+      <p:pic>
+        <p:nvPicPr>
+          <p:cNvPr id="3" name="图片 3" descr="穿着衬衫的男孩&#10;&#10;描述已自动生成">
+            <a:extLst>
+              <a:ext uri="{FF2B5EF4-FFF2-40B4-BE49-F238E27FC236}">
+                <a16:creationId xmlns:a16="http://schemas.microsoft.com/office/drawing/2014/main" id="{B33CDE5B-2EAA-9B98-0977-CFA20D3F3F21}"/>
+              </a:ext>
+            </a:extLst>
+          </p:cNvPr>
+          <p:cNvPicPr>
+            <a:picLocks noChangeAspect="1"/>
+          </p:cNvPicPr>
+          <p:nvPr/>
+        </p:nvPicPr>
+        <p:blipFill>
+          <a:blip r:embed="rId3"/>
+          <a:stretch>
+            <a:fillRect/>
+          </a:stretch>
+        </p:blipFill>
+        <p:spPr>
+          <a:xfrm>
+            <a:off x="3924307" y="2392970"/>
+            <a:ext cx="1790921" cy="2604975"/>
+          </a:xfrm>
+          <a:prstGeom prst="rect">
+            <a:avLst/>
+          </a:prstGeom>
+        </p:spPr>
+      </p:pic>
     </p:spTree>
     <p:extLst>
       <p:ext uri="{BB962C8B-B14F-4D97-AF65-F5344CB8AC3E}">
@@ -4210,7 +4250,7 @@
         </p:nvSpPr>
         <p:spPr>
           <a:xfrm>
-            <a:off x="2231135" y="507492"/>
+            <a:off x="2231135" y="323602"/>
             <a:ext cx="7729728" cy="1188720"/>
           </a:xfrm>
         </p:spPr>
@@ -5578,7 +5618,12 @@
             <p:ph type="title"/>
           </p:nvPr>
         </p:nvSpPr>
-        <p:spPr/>
+        <p:spPr>
+          <a:xfrm>
+            <a:off x="2231136" y="588174"/>
+            <a:ext cx="7729728" cy="1188720"/>
+          </a:xfrm>
+        </p:spPr>
         <p:txBody>
           <a:bodyPr>
             <a:normAutofit/>
@@ -5594,8 +5639,16 @@
               <a:t> </a:t>
             </a:r>
             <a:r>
+              <a:rPr lang="en-US" altLang="zh-CN"/>
+              <a:t>Open/ADJUST</a:t>
+            </a:r>
+            <a:r>
+              <a:rPr lang="zh-CN" altLang="en-US"/>
+              <a:t> </a:t>
+            </a:r>
+            <a:r>
               <a:rPr lang="en-US" altLang="zh-CN" dirty="0"/>
-              <a:t>Opening</a:t>
+              <a:t>Position</a:t>
             </a:r>
             <a:r>
               <a:rPr lang="zh-CN" altLang="en-US" dirty="0"/>
@@ -5603,45 +5656,166 @@
             </a:r>
             <a:r>
               <a:rPr lang="en-US" altLang="zh-CN" dirty="0"/>
-              <a:t>Position</a:t>
-            </a:r>
-            <a:r>
-              <a:rPr lang="zh-CN" altLang="en-US" dirty="0"/>
-              <a:t> </a:t>
-            </a:r>
-            <a:r>
-              <a:rPr lang="en-US" altLang="zh-CN" dirty="0"/>
               <a:t>Module</a:t>
             </a:r>
             <a:endParaRPr lang="en-US" dirty="0"/>
           </a:p>
         </p:txBody>
       </p:sp>
-      <p:sp>
-        <p:nvSpPr>
-          <p:cNvPr id="3" name="Content Placeholder 2">
+      <p:pic>
+        <p:nvPicPr>
+          <p:cNvPr id="6" name="Picture 5">
             <a:extLst>
               <a:ext uri="{FF2B5EF4-FFF2-40B4-BE49-F238E27FC236}">
-                <a16:creationId xmlns:a16="http://schemas.microsoft.com/office/drawing/2014/main" id="{ED89FD86-53D7-84AB-5ABF-7BBE67E034BA}"/>
+                <a16:creationId xmlns:a16="http://schemas.microsoft.com/office/drawing/2014/main" id="{B15DACB8-6391-E033-68B8-9E58618118B6}"/>
               </a:ext>
             </a:extLst>
           </p:cNvPr>
-          <p:cNvSpPr>
-            <a:spLocks noGrp="1"/>
-          </p:cNvSpPr>
-          <p:nvPr>
-            <p:ph idx="1"/>
-          </p:nvPr>
-        </p:nvSpPr>
-        <p:spPr/>
-        <p:txBody>
-          <a:bodyPr/>
-          <a:lstStyle/>
-          <a:p>
-            <a:endParaRPr lang="en-US"/>
-          </a:p>
-        </p:txBody>
-      </p:sp>
+          <p:cNvPicPr>
+            <a:picLocks noChangeAspect="1"/>
+          </p:cNvPicPr>
+          <p:nvPr/>
+        </p:nvPicPr>
+        <p:blipFill>
+          <a:blip r:embed="rId2"/>
+          <a:stretch>
+            <a:fillRect/>
+          </a:stretch>
+        </p:blipFill>
+        <p:spPr>
+          <a:xfrm>
+            <a:off x="309283" y="2736658"/>
+            <a:ext cx="5302624" cy="3325956"/>
+          </a:xfrm>
+          <a:prstGeom prst="rect">
+            <a:avLst/>
+          </a:prstGeom>
+        </p:spPr>
+      </p:pic>
+      <p:pic>
+        <p:nvPicPr>
+          <p:cNvPr id="7" name="Picture 6">
+            <a:extLst>
+              <a:ext uri="{FF2B5EF4-FFF2-40B4-BE49-F238E27FC236}">
+                <a16:creationId xmlns:a16="http://schemas.microsoft.com/office/drawing/2014/main" id="{563CC999-1F51-EAB7-ECDF-E423F4B2044C}"/>
+              </a:ext>
+            </a:extLst>
+          </p:cNvPr>
+          <p:cNvPicPr>
+            <a:picLocks noChangeAspect="1"/>
+          </p:cNvPicPr>
+          <p:nvPr/>
+        </p:nvPicPr>
+        <p:blipFill>
+          <a:blip r:embed="rId3"/>
+          <a:stretch>
+            <a:fillRect/>
+          </a:stretch>
+        </p:blipFill>
+        <p:spPr>
+          <a:xfrm>
+            <a:off x="6096000" y="2736658"/>
+            <a:ext cx="5302623" cy="3325956"/>
+          </a:xfrm>
+          <a:prstGeom prst="rect">
+            <a:avLst/>
+          </a:prstGeom>
+        </p:spPr>
+      </p:pic>
+      <p:pic>
+        <p:nvPicPr>
+          <p:cNvPr id="1028" name="Picture 4" descr="Tick Sign PNGs for Free Download">
+            <a:extLst>
+              <a:ext uri="{FF2B5EF4-FFF2-40B4-BE49-F238E27FC236}">
+                <a16:creationId xmlns:a16="http://schemas.microsoft.com/office/drawing/2014/main" id="{C97AF552-17BB-E0F7-3498-CABB49A6C374}"/>
+              </a:ext>
+            </a:extLst>
+          </p:cNvPr>
+          <p:cNvPicPr>
+            <a:picLocks noChangeAspect="1" noChangeArrowheads="1"/>
+          </p:cNvPicPr>
+          <p:nvPr/>
+        </p:nvPicPr>
+        <p:blipFill>
+          <a:blip r:embed="rId4">
+            <a:extLst>
+              <a:ext uri="{28A0092B-C50C-407E-A947-70E740481C1C}">
+                <a14:useLocalDpi xmlns:a14="http://schemas.microsoft.com/office/drawing/2010/main" val="0"/>
+              </a:ext>
+            </a:extLst>
+          </a:blip>
+          <a:srcRect/>
+          <a:stretch>
+            <a:fillRect/>
+          </a:stretch>
+        </p:blipFill>
+        <p:spPr bwMode="auto">
+          <a:xfrm>
+            <a:off x="4562229" y="1956190"/>
+            <a:ext cx="861150" cy="861150"/>
+          </a:xfrm>
+          <a:prstGeom prst="rect">
+            <a:avLst/>
+          </a:prstGeom>
+          <a:noFill/>
+          <a:extLst>
+            <a:ext uri="{909E8E84-426E-40DD-AFC4-6F175D3DCCD1}">
+              <a14:hiddenFill xmlns:a14="http://schemas.microsoft.com/office/drawing/2010/main">
+                <a:solidFill>
+                  <a:srgbClr val="FFFFFF"/>
+                </a:solidFill>
+              </a14:hiddenFill>
+            </a:ext>
+          </a:extLst>
+        </p:spPr>
+      </p:pic>
+      <p:pic>
+        <p:nvPicPr>
+          <p:cNvPr id="1034" name="Picture 10" descr="Warning PNGs for Free Download">
+            <a:extLst>
+              <a:ext uri="{FF2B5EF4-FFF2-40B4-BE49-F238E27FC236}">
+                <a16:creationId xmlns:a16="http://schemas.microsoft.com/office/drawing/2014/main" id="{49FF3DCC-0314-99B9-A36E-07FD9C3378C6}"/>
+              </a:ext>
+            </a:extLst>
+          </p:cNvPr>
+          <p:cNvPicPr>
+            <a:picLocks noChangeAspect="1" noChangeArrowheads="1"/>
+          </p:cNvPicPr>
+          <p:nvPr/>
+        </p:nvPicPr>
+        <p:blipFill>
+          <a:blip r:embed="rId5">
+            <a:extLst>
+              <a:ext uri="{28A0092B-C50C-407E-A947-70E740481C1C}">
+                <a14:useLocalDpi xmlns:a14="http://schemas.microsoft.com/office/drawing/2010/main" val="0"/>
+              </a:ext>
+            </a:extLst>
+          </a:blip>
+          <a:srcRect/>
+          <a:stretch>
+            <a:fillRect/>
+          </a:stretch>
+        </p:blipFill>
+        <p:spPr bwMode="auto">
+          <a:xfrm>
+            <a:off x="10339294" y="1721197"/>
+            <a:ext cx="1059329" cy="1059329"/>
+          </a:xfrm>
+          <a:prstGeom prst="rect">
+            <a:avLst/>
+          </a:prstGeom>
+          <a:noFill/>
+          <a:extLst>
+            <a:ext uri="{909E8E84-426E-40DD-AFC4-6F175D3DCCD1}">
+              <a14:hiddenFill xmlns:a14="http://schemas.microsoft.com/office/drawing/2010/main">
+                <a:solidFill>
+                  <a:srgbClr val="FFFFFF"/>
+                </a:solidFill>
+              </a14:hiddenFill>
+            </a:ext>
+          </a:extLst>
+        </p:spPr>
+      </p:pic>
     </p:spTree>
     <p:extLst>
       <p:ext uri="{BB962C8B-B14F-4D97-AF65-F5344CB8AC3E}">
@@ -5688,7 +5862,12 @@
             <p:ph type="title"/>
           </p:nvPr>
         </p:nvSpPr>
-        <p:spPr/>
+        <p:spPr>
+          <a:xfrm>
+            <a:off x="2231136" y="534386"/>
+            <a:ext cx="7729728" cy="1188720"/>
+          </a:xfrm>
+        </p:spPr>
         <p:txBody>
           <a:bodyPr>
             <a:normAutofit/>
@@ -5704,8 +5883,8 @@
               <a:t> </a:t>
             </a:r>
             <a:r>
-              <a:rPr lang="en-US" altLang="zh-CN" dirty="0"/>
-              <a:t>Closing</a:t>
+              <a:rPr lang="en-US" altLang="zh-CN" dirty="0" err="1"/>
+              <a:t>ClosE</a:t>
             </a:r>
             <a:r>
               <a:rPr lang="zh-CN" altLang="en-US" dirty="0"/>
@@ -5727,31 +5906,160 @@
           </a:p>
         </p:txBody>
       </p:sp>
-      <p:sp>
-        <p:nvSpPr>
-          <p:cNvPr id="3" name="Content Placeholder 2">
+      <p:pic>
+        <p:nvPicPr>
+          <p:cNvPr id="4" name="Picture 3">
             <a:extLst>
               <a:ext uri="{FF2B5EF4-FFF2-40B4-BE49-F238E27FC236}">
-                <a16:creationId xmlns:a16="http://schemas.microsoft.com/office/drawing/2014/main" id="{F15B8757-6D01-3020-D52A-A4AA56F95244}"/>
+                <a16:creationId xmlns:a16="http://schemas.microsoft.com/office/drawing/2014/main" id="{B5020679-7826-1653-D143-B7B6522E43EA}"/>
               </a:ext>
             </a:extLst>
           </p:cNvPr>
-          <p:cNvSpPr>
-            <a:spLocks noGrp="1"/>
-          </p:cNvSpPr>
-          <p:nvPr>
-            <p:ph idx="1"/>
-          </p:nvPr>
-        </p:nvSpPr>
-        <p:spPr/>
-        <p:txBody>
-          <a:bodyPr/>
-          <a:lstStyle/>
-          <a:p>
-            <a:endParaRPr lang="en-US"/>
-          </a:p>
-        </p:txBody>
-      </p:sp>
+          <p:cNvPicPr>
+            <a:picLocks noChangeAspect="1"/>
+          </p:cNvPicPr>
+          <p:nvPr/>
+        </p:nvPicPr>
+        <p:blipFill>
+          <a:blip r:embed="rId2"/>
+          <a:stretch>
+            <a:fillRect/>
+          </a:stretch>
+        </p:blipFill>
+        <p:spPr>
+          <a:xfrm>
+            <a:off x="6183596" y="2736658"/>
+            <a:ext cx="5322603" cy="3338488"/>
+          </a:xfrm>
+          <a:prstGeom prst="rect">
+            <a:avLst/>
+          </a:prstGeom>
+        </p:spPr>
+      </p:pic>
+      <p:pic>
+        <p:nvPicPr>
+          <p:cNvPr id="5" name="Picture 4">
+            <a:extLst>
+              <a:ext uri="{FF2B5EF4-FFF2-40B4-BE49-F238E27FC236}">
+                <a16:creationId xmlns:a16="http://schemas.microsoft.com/office/drawing/2014/main" id="{4F995B36-6205-484E-ECF0-7330EA730FA3}"/>
+              </a:ext>
+            </a:extLst>
+          </p:cNvPr>
+          <p:cNvPicPr>
+            <a:picLocks noChangeAspect="1"/>
+          </p:cNvPicPr>
+          <p:nvPr/>
+        </p:nvPicPr>
+        <p:blipFill>
+          <a:blip r:embed="rId3"/>
+          <a:stretch>
+            <a:fillRect/>
+          </a:stretch>
+        </p:blipFill>
+        <p:spPr>
+          <a:xfrm>
+            <a:off x="419134" y="2736658"/>
+            <a:ext cx="5322603" cy="3338488"/>
+          </a:xfrm>
+          <a:prstGeom prst="rect">
+            <a:avLst/>
+          </a:prstGeom>
+        </p:spPr>
+      </p:pic>
+      <p:pic>
+        <p:nvPicPr>
+          <p:cNvPr id="6" name="Picture 4" descr="Tick Sign PNGs for Free Download">
+            <a:extLst>
+              <a:ext uri="{FF2B5EF4-FFF2-40B4-BE49-F238E27FC236}">
+                <a16:creationId xmlns:a16="http://schemas.microsoft.com/office/drawing/2014/main" id="{AA9762EC-64BD-9BE4-FE45-00A6AA011B0D}"/>
+              </a:ext>
+            </a:extLst>
+          </p:cNvPr>
+          <p:cNvPicPr>
+            <a:picLocks noChangeAspect="1" noChangeArrowheads="1"/>
+          </p:cNvPicPr>
+          <p:nvPr/>
+        </p:nvPicPr>
+        <p:blipFill>
+          <a:blip r:embed="rId4">
+            <a:extLst>
+              <a:ext uri="{28A0092B-C50C-407E-A947-70E740481C1C}">
+                <a14:useLocalDpi xmlns:a14="http://schemas.microsoft.com/office/drawing/2010/main" val="0"/>
+              </a:ext>
+            </a:extLst>
+          </a:blip>
+          <a:srcRect/>
+          <a:stretch>
+            <a:fillRect/>
+          </a:stretch>
+        </p:blipFill>
+        <p:spPr bwMode="auto">
+          <a:xfrm>
+            <a:off x="10645049" y="1776418"/>
+            <a:ext cx="861150" cy="861150"/>
+          </a:xfrm>
+          <a:prstGeom prst="rect">
+            <a:avLst/>
+          </a:prstGeom>
+          <a:noFill/>
+          <a:extLst>
+            <a:ext uri="{909E8E84-426E-40DD-AFC4-6F175D3DCCD1}">
+              <a14:hiddenFill xmlns:a14="http://schemas.microsoft.com/office/drawing/2010/main">
+                <a:solidFill>
+                  <a:srgbClr val="FFFFFF"/>
+                </a:solidFill>
+              </a14:hiddenFill>
+            </a:ext>
+          </a:extLst>
+        </p:spPr>
+      </p:pic>
+      <p:pic>
+        <p:nvPicPr>
+          <p:cNvPr id="7" name="Picture 10" descr="Warning PNGs for Free Download">
+            <a:extLst>
+              <a:ext uri="{FF2B5EF4-FFF2-40B4-BE49-F238E27FC236}">
+                <a16:creationId xmlns:a16="http://schemas.microsoft.com/office/drawing/2014/main" id="{272CF25C-DB9E-54F3-744D-837566C9E4EE}"/>
+              </a:ext>
+            </a:extLst>
+          </p:cNvPr>
+          <p:cNvPicPr>
+            <a:picLocks noChangeAspect="1" noChangeArrowheads="1"/>
+          </p:cNvPicPr>
+          <p:nvPr/>
+        </p:nvPicPr>
+        <p:blipFill>
+          <a:blip r:embed="rId5">
+            <a:extLst>
+              <a:ext uri="{28A0092B-C50C-407E-A947-70E740481C1C}">
+                <a14:useLocalDpi xmlns:a14="http://schemas.microsoft.com/office/drawing/2010/main" val="0"/>
+              </a:ext>
+            </a:extLst>
+          </a:blip>
+          <a:srcRect/>
+          <a:stretch>
+            <a:fillRect/>
+          </a:stretch>
+        </p:blipFill>
+        <p:spPr bwMode="auto">
+          <a:xfrm>
+            <a:off x="4682408" y="1677329"/>
+            <a:ext cx="1059329" cy="1059329"/>
+          </a:xfrm>
+          <a:prstGeom prst="rect">
+            <a:avLst/>
+          </a:prstGeom>
+          <a:noFill/>
+          <a:extLst>
+            <a:ext uri="{909E8E84-426E-40DD-AFC4-6F175D3DCCD1}">
+              <a14:hiddenFill xmlns:a14="http://schemas.microsoft.com/office/drawing/2010/main">
+                <a:solidFill>
+                  <a:srgbClr val="FFFFFF"/>
+                </a:solidFill>
+              </a14:hiddenFill>
+            </a:ext>
+          </a:extLst>
+        </p:spPr>
+      </p:pic>
     </p:spTree>
     <p:extLst>
       <p:ext uri="{BB962C8B-B14F-4D97-AF65-F5344CB8AC3E}">
@@ -5766,6 +6074,146 @@
 </file>
 
 <file path=ppt/slides/slide7.xml><?xml version="1.0" encoding="utf-8"?>
+<p:sld xmlns:a="http://schemas.openxmlformats.org/drawingml/2006/main" xmlns:r="http://schemas.openxmlformats.org/officeDocument/2006/relationships" xmlns:p="http://schemas.openxmlformats.org/presentationml/2006/main">
+  <p:cSld>
+    <p:spTree>
+      <p:nvGrpSpPr>
+        <p:cNvPr id="1" name=""/>
+        <p:cNvGrpSpPr/>
+        <p:nvPr/>
+      </p:nvGrpSpPr>
+      <p:grpSpPr>
+        <a:xfrm>
+          <a:off x="0" y="0"/>
+          <a:ext cx="0" cy="0"/>
+          <a:chOff x="0" y="0"/>
+          <a:chExt cx="0" cy="0"/>
+        </a:xfrm>
+      </p:grpSpPr>
+      <p:sp>
+        <p:nvSpPr>
+          <p:cNvPr id="2" name="Title 1">
+            <a:extLst>
+              <a:ext uri="{FF2B5EF4-FFF2-40B4-BE49-F238E27FC236}">
+                <a16:creationId xmlns:a16="http://schemas.microsoft.com/office/drawing/2014/main" id="{37A06E91-4277-0D46-72A7-4BA85152AC4A}"/>
+              </a:ext>
+            </a:extLst>
+          </p:cNvPr>
+          <p:cNvSpPr>
+            <a:spLocks noGrp="1"/>
+          </p:cNvSpPr>
+          <p:nvPr>
+            <p:ph type="title"/>
+          </p:nvPr>
+        </p:nvSpPr>
+        <p:spPr>
+          <a:xfrm>
+            <a:off x="2231136" y="633341"/>
+            <a:ext cx="7729728" cy="1188720"/>
+          </a:xfrm>
+        </p:spPr>
+        <p:txBody>
+          <a:bodyPr/>
+          <a:lstStyle/>
+          <a:p>
+            <a:r>
+              <a:rPr lang="en-US" altLang="zh-CN" dirty="0"/>
+              <a:t>Discussion:</a:t>
+            </a:r>
+            <a:r>
+              <a:rPr lang="zh-CN" altLang="en-US" dirty="0"/>
+              <a:t> </a:t>
+            </a:r>
+            <a:r>
+              <a:rPr lang="en-US" altLang="zh-CN" dirty="0"/>
+              <a:t>Complete</a:t>
+            </a:r>
+            <a:r>
+              <a:rPr lang="zh-CN" altLang="en-US" dirty="0"/>
+              <a:t> </a:t>
+            </a:r>
+            <a:r>
+              <a:rPr lang="en-US" altLang="zh-CN" dirty="0"/>
+              <a:t>system</a:t>
+            </a:r>
+            <a:endParaRPr lang="en-US" dirty="0"/>
+          </a:p>
+        </p:txBody>
+      </p:sp>
+      <p:pic>
+        <p:nvPicPr>
+          <p:cNvPr id="4" name="Picture 3">
+            <a:extLst>
+              <a:ext uri="{FF2B5EF4-FFF2-40B4-BE49-F238E27FC236}">
+                <a16:creationId xmlns:a16="http://schemas.microsoft.com/office/drawing/2014/main" id="{E67BC910-A6D0-EAF0-3C88-EB1D37F19BEA}"/>
+              </a:ext>
+            </a:extLst>
+          </p:cNvPr>
+          <p:cNvPicPr>
+            <a:picLocks noChangeAspect="1"/>
+          </p:cNvPicPr>
+          <p:nvPr/>
+        </p:nvPicPr>
+        <p:blipFill>
+          <a:blip r:embed="rId2"/>
+          <a:stretch>
+            <a:fillRect/>
+          </a:stretch>
+        </p:blipFill>
+        <p:spPr>
+          <a:xfrm>
+            <a:off x="6096000" y="2592137"/>
+            <a:ext cx="5486214" cy="3441109"/>
+          </a:xfrm>
+          <a:prstGeom prst="rect">
+            <a:avLst/>
+          </a:prstGeom>
+        </p:spPr>
+      </p:pic>
+      <p:pic>
+        <p:nvPicPr>
+          <p:cNvPr id="5" name="Picture 4">
+            <a:extLst>
+              <a:ext uri="{FF2B5EF4-FFF2-40B4-BE49-F238E27FC236}">
+                <a16:creationId xmlns:a16="http://schemas.microsoft.com/office/drawing/2014/main" id="{BD272435-0174-EF82-0ED5-717DDEF240E7}"/>
+              </a:ext>
+            </a:extLst>
+          </p:cNvPr>
+          <p:cNvPicPr>
+            <a:picLocks noChangeAspect="1"/>
+          </p:cNvPicPr>
+          <p:nvPr/>
+        </p:nvPicPr>
+        <p:blipFill>
+          <a:blip r:embed="rId3"/>
+          <a:stretch>
+            <a:fillRect/>
+          </a:stretch>
+        </p:blipFill>
+        <p:spPr>
+          <a:xfrm>
+            <a:off x="370148" y="2592138"/>
+            <a:ext cx="5486213" cy="3441109"/>
+          </a:xfrm>
+          <a:prstGeom prst="rect">
+            <a:avLst/>
+          </a:prstGeom>
+        </p:spPr>
+      </p:pic>
+    </p:spTree>
+    <p:extLst>
+      <p:ext uri="{BB962C8B-B14F-4D97-AF65-F5344CB8AC3E}">
+        <p14:creationId xmlns:p14="http://schemas.microsoft.com/office/powerpoint/2010/main" val="3220452344"/>
+      </p:ext>
+    </p:extLst>
+  </p:cSld>
+  <p:clrMapOvr>
+    <a:masterClrMapping/>
+  </p:clrMapOvr>
+</p:sld>
+</file>
+
+<file path=ppt/slides/slide8.xml><?xml version="1.0" encoding="utf-8"?>
 <p:sld xmlns:a="http://schemas.openxmlformats.org/drawingml/2006/main" xmlns:r="http://schemas.openxmlformats.org/officeDocument/2006/relationships" xmlns:p="http://schemas.openxmlformats.org/presentationml/2006/main">
   <p:cSld>
     <p:spTree>
@@ -7299,7 +7747,7 @@
 </p:sld>
 </file>
 
-<file path=ppt/slides/slide8.xml><?xml version="1.0" encoding="utf-8"?>
+<file path=ppt/slides/slide9.xml><?xml version="1.0" encoding="utf-8"?>
 <p:sld xmlns:a="http://schemas.openxmlformats.org/drawingml/2006/main" xmlns:r="http://schemas.openxmlformats.org/officeDocument/2006/relationships" xmlns:p="http://schemas.openxmlformats.org/presentationml/2006/main">
   <p:cSld>
     <p:spTree>
